--- a/Lesson-4/Lesson-4.pptx
+++ b/Lesson-4/Lesson-4.pptx
@@ -6,7 +6,7 @@
     <p:sldMasterId id="2147483676" r:id="rId2"/>
   </p:sldMasterIdLst>
   <p:notesMasterIdLst>
-    <p:notesMasterId r:id="rId22"/>
+    <p:notesMasterId r:id="rId18"/>
   </p:notesMasterIdLst>
   <p:sldIdLst>
     <p:sldId id="256" r:id="rId3"/>
@@ -22,22 +22,18 @@
     <p:sldId id="322" r:id="rId13"/>
     <p:sldId id="323" r:id="rId14"/>
     <p:sldId id="324" r:id="rId15"/>
-    <p:sldId id="328" r:id="rId16"/>
-    <p:sldId id="329" r:id="rId17"/>
-    <p:sldId id="331" r:id="rId18"/>
-    <p:sldId id="320" r:id="rId19"/>
-    <p:sldId id="264" r:id="rId20"/>
-    <p:sldId id="263" r:id="rId21"/>
+    <p:sldId id="264" r:id="rId16"/>
+    <p:sldId id="263" r:id="rId17"/>
   </p:sldIdLst>
   <p:sldSz cx="9144000" cy="5143500" type="screen16x9"/>
   <p:notesSz cx="6858000" cy="9144000"/>
   <p:embeddedFontLst>
     <p:embeddedFont>
       <p:font typeface="Montserrat" panose="00000500000000000000" pitchFamily="2" charset="0"/>
-      <p:regular r:id="rId23"/>
-      <p:bold r:id="rId24"/>
-      <p:italic r:id="rId25"/>
-      <p:boldItalic r:id="rId26"/>
+      <p:regular r:id="rId19"/>
+      <p:bold r:id="rId20"/>
+      <p:italic r:id="rId21"/>
+      <p:boldItalic r:id="rId22"/>
     </p:embeddedFont>
   </p:embeddedFontLst>
   <p:defaultTextStyle>
@@ -16835,2142 +16831,6 @@
   <p:cSld>
     <p:spTree>
       <p:nvGrpSpPr>
-        <p:cNvPr id="1" name=""/>
-        <p:cNvGrpSpPr/>
-        <p:nvPr/>
-      </p:nvGrpSpPr>
-      <p:grpSpPr>
-        <a:xfrm>
-          <a:off x="0" y="0"/>
-          <a:ext cx="0" cy="0"/>
-          <a:chOff x="0" y="0"/>
-          <a:chExt cx="0" cy="0"/>
-        </a:xfrm>
-      </p:grpSpPr>
-      <p:pic>
-        <p:nvPicPr>
-          <p:cNvPr id="2" name="Picture 2"/>
-          <p:cNvPicPr>
-            <a:picLocks noChangeAspect="1"/>
-          </p:cNvPicPr>
-          <p:nvPr/>
-        </p:nvPicPr>
-        <p:blipFill>
-          <a:blip r:embed="rId2">
-            <a:alphaModFix amt="6000"/>
-            <a:extLst>
-              <a:ext uri="{28A0092B-C50C-407E-A947-70E740481C1C}">
-                <a14:useLocalDpi xmlns:a14="http://schemas.microsoft.com/office/drawing/2010/main" val="0"/>
-              </a:ext>
-              <a:ext uri="{96DAC541-7B7A-43D3-8B79-37D633B846F1}">
-                <asvg:svgBlip xmlns:asvg="http://schemas.microsoft.com/office/drawing/2016/SVG/main" r:embed="rId3"/>
-              </a:ext>
-            </a:extLst>
-          </a:blip>
-          <a:srcRect/>
-          <a:stretch>
-            <a:fillRect/>
-          </a:stretch>
-        </p:blipFill>
-        <p:spPr>
-          <a:xfrm flipH="1">
-            <a:off x="-9815" y="0"/>
-            <a:ext cx="1163811" cy="1163811"/>
-          </a:xfrm>
-          <a:prstGeom prst="rect">
-            <a:avLst/>
-          </a:prstGeom>
-        </p:spPr>
-      </p:pic>
-      <p:pic>
-        <p:nvPicPr>
-          <p:cNvPr id="3" name="Picture 3"/>
-          <p:cNvPicPr>
-            <a:picLocks noChangeAspect="1"/>
-          </p:cNvPicPr>
-          <p:nvPr/>
-        </p:nvPicPr>
-        <p:blipFill>
-          <a:blip r:embed="rId2" cstate="print">
-            <a:alphaModFix amt="6000"/>
-            <a:extLst>
-              <a:ext uri="{28A0092B-C50C-407E-A947-70E740481C1C}">
-                <a14:useLocalDpi xmlns:a14="http://schemas.microsoft.com/office/drawing/2010/main" val="0"/>
-              </a:ext>
-              <a:ext uri="{96DAC541-7B7A-43D3-8B79-37D633B846F1}">
-                <asvg:svgBlip xmlns:asvg="http://schemas.microsoft.com/office/drawing/2016/SVG/main" r:embed="rId3"/>
-              </a:ext>
-            </a:extLst>
-          </a:blip>
-          <a:srcRect/>
-          <a:stretch>
-            <a:fillRect/>
-          </a:stretch>
-        </p:blipFill>
-        <p:spPr>
-          <a:xfrm flipH="1">
-            <a:off x="8072956" y="4072456"/>
-            <a:ext cx="1071044" cy="1071044"/>
-          </a:xfrm>
-          <a:prstGeom prst="rect">
-            <a:avLst/>
-          </a:prstGeom>
-        </p:spPr>
-      </p:pic>
-      <p:grpSp>
-        <p:nvGrpSpPr>
-          <p:cNvPr id="4" name="Group 4"/>
-          <p:cNvGrpSpPr/>
-          <p:nvPr/>
-        </p:nvGrpSpPr>
-        <p:grpSpPr>
-          <a:xfrm>
-            <a:off x="8751721" y="0"/>
-            <a:ext cx="392279" cy="914768"/>
-            <a:chOff x="0" y="0"/>
-            <a:chExt cx="286209" cy="667420"/>
-          </a:xfrm>
-        </p:grpSpPr>
-        <p:sp>
-          <p:nvSpPr>
-            <p:cNvPr id="5" name="Freeform 5"/>
-            <p:cNvSpPr/>
-            <p:nvPr/>
-          </p:nvSpPr>
-          <p:spPr>
-            <a:xfrm>
-              <a:off x="0" y="0"/>
-              <a:ext cx="286209" cy="667419"/>
-            </a:xfrm>
-            <a:custGeom>
-              <a:avLst/>
-              <a:gdLst/>
-              <a:ahLst/>
-              <a:cxnLst/>
-              <a:rect l="l" t="t" r="r" b="b"/>
-              <a:pathLst>
-                <a:path w="286209" h="667419">
-                  <a:moveTo>
-                    <a:pt x="0" y="0"/>
-                  </a:moveTo>
-                  <a:lnTo>
-                    <a:pt x="286209" y="0"/>
-                  </a:lnTo>
-                  <a:lnTo>
-                    <a:pt x="286209" y="667419"/>
-                  </a:lnTo>
-                  <a:lnTo>
-                    <a:pt x="0" y="667419"/>
-                  </a:lnTo>
-                  <a:close/>
-                </a:path>
-              </a:pathLst>
-            </a:custGeom>
-            <a:solidFill>
-              <a:srgbClr val="FF9D8F"/>
-            </a:solidFill>
-          </p:spPr>
-        </p:sp>
-      </p:grpSp>
-      <p:grpSp>
-        <p:nvGrpSpPr>
-          <p:cNvPr id="6" name="Group 6"/>
-          <p:cNvGrpSpPr/>
-          <p:nvPr/>
-        </p:nvGrpSpPr>
-        <p:grpSpPr>
-          <a:xfrm>
-            <a:off x="8751721" y="4454699"/>
-            <a:ext cx="392279" cy="1377603"/>
-            <a:chOff x="0" y="0"/>
-            <a:chExt cx="286209" cy="1005107"/>
-          </a:xfrm>
-        </p:grpSpPr>
-        <p:sp>
-          <p:nvSpPr>
-            <p:cNvPr id="7" name="Freeform 7"/>
-            <p:cNvSpPr/>
-            <p:nvPr/>
-          </p:nvSpPr>
-          <p:spPr>
-            <a:xfrm>
-              <a:off x="0" y="0"/>
-              <a:ext cx="286209" cy="1005107"/>
-            </a:xfrm>
-            <a:custGeom>
-              <a:avLst/>
-              <a:gdLst/>
-              <a:ahLst/>
-              <a:cxnLst/>
-              <a:rect l="l" t="t" r="r" b="b"/>
-              <a:pathLst>
-                <a:path w="286209" h="1005107">
-                  <a:moveTo>
-                    <a:pt x="0" y="0"/>
-                  </a:moveTo>
-                  <a:lnTo>
-                    <a:pt x="286209" y="0"/>
-                  </a:lnTo>
-                  <a:lnTo>
-                    <a:pt x="286209" y="1005107"/>
-                  </a:lnTo>
-                  <a:lnTo>
-                    <a:pt x="0" y="1005107"/>
-                  </a:lnTo>
-                  <a:close/>
-                </a:path>
-              </a:pathLst>
-            </a:custGeom>
-            <a:solidFill>
-              <a:srgbClr val="FFEAEA"/>
-            </a:solidFill>
-          </p:spPr>
-        </p:sp>
-      </p:grpSp>
-      <p:grpSp>
-        <p:nvGrpSpPr>
-          <p:cNvPr id="8" name="Group 8"/>
-          <p:cNvGrpSpPr/>
-          <p:nvPr/>
-        </p:nvGrpSpPr>
-        <p:grpSpPr>
-          <a:xfrm>
-            <a:off x="0" y="4247304"/>
-            <a:ext cx="897632" cy="896196"/>
-            <a:chOff x="0" y="0"/>
-            <a:chExt cx="6350000" cy="6339840"/>
-          </a:xfrm>
-        </p:grpSpPr>
-        <p:sp>
-          <p:nvSpPr>
-            <p:cNvPr id="9" name="Freeform 9"/>
-            <p:cNvSpPr/>
-            <p:nvPr/>
-          </p:nvSpPr>
-          <p:spPr>
-            <a:xfrm>
-              <a:off x="0" y="0"/>
-              <a:ext cx="6350000" cy="6339840"/>
-            </a:xfrm>
-            <a:custGeom>
-              <a:avLst/>
-              <a:gdLst/>
-              <a:ahLst/>
-              <a:cxnLst/>
-              <a:rect l="l" t="t" r="r" b="b"/>
-              <a:pathLst>
-                <a:path w="6350000" h="6339840">
-                  <a:moveTo>
-                    <a:pt x="6350000" y="6339840"/>
-                  </a:moveTo>
-                  <a:lnTo>
-                    <a:pt x="0" y="6339840"/>
-                  </a:lnTo>
-                  <a:lnTo>
-                    <a:pt x="0" y="0"/>
-                  </a:lnTo>
-                  <a:lnTo>
-                    <a:pt x="6350000" y="6339840"/>
-                  </a:lnTo>
-                  <a:close/>
-                </a:path>
-              </a:pathLst>
-            </a:custGeom>
-            <a:solidFill>
-              <a:srgbClr val="E6F0FF"/>
-            </a:solidFill>
-          </p:spPr>
-        </p:sp>
-      </p:grpSp>
-      <p:grpSp>
-        <p:nvGrpSpPr>
-          <p:cNvPr id="10" name="Group 10"/>
-          <p:cNvGrpSpPr/>
-          <p:nvPr/>
-        </p:nvGrpSpPr>
-        <p:grpSpPr>
-          <a:xfrm rot="5400000">
-            <a:off x="-10533" y="0"/>
-            <a:ext cx="897632" cy="896196"/>
-            <a:chOff x="0" y="0"/>
-            <a:chExt cx="6350000" cy="6339840"/>
-          </a:xfrm>
-        </p:grpSpPr>
-        <p:sp>
-          <p:nvSpPr>
-            <p:cNvPr id="11" name="Freeform 11"/>
-            <p:cNvSpPr/>
-            <p:nvPr/>
-          </p:nvSpPr>
-          <p:spPr>
-            <a:xfrm>
-              <a:off x="0" y="0"/>
-              <a:ext cx="6350000" cy="6339840"/>
-            </a:xfrm>
-            <a:custGeom>
-              <a:avLst/>
-              <a:gdLst/>
-              <a:ahLst/>
-              <a:cxnLst/>
-              <a:rect l="l" t="t" r="r" b="b"/>
-              <a:pathLst>
-                <a:path w="6350000" h="6339840">
-                  <a:moveTo>
-                    <a:pt x="6350000" y="6339840"/>
-                  </a:moveTo>
-                  <a:lnTo>
-                    <a:pt x="0" y="6339840"/>
-                  </a:lnTo>
-                  <a:lnTo>
-                    <a:pt x="0" y="0"/>
-                  </a:lnTo>
-                  <a:lnTo>
-                    <a:pt x="6350000" y="6339840"/>
-                  </a:lnTo>
-                  <a:close/>
-                </a:path>
-              </a:pathLst>
-            </a:custGeom>
-            <a:solidFill>
-              <a:srgbClr val="E6F0FF"/>
-            </a:solidFill>
-          </p:spPr>
-        </p:sp>
-      </p:grpSp>
-      <p:grpSp>
-        <p:nvGrpSpPr>
-          <p:cNvPr id="12" name="Group 12"/>
-          <p:cNvGrpSpPr/>
-          <p:nvPr/>
-        </p:nvGrpSpPr>
-        <p:grpSpPr>
-          <a:xfrm>
-            <a:off x="514350" y="684157"/>
-            <a:ext cx="3070438" cy="272859"/>
-            <a:chOff x="0" y="0"/>
-            <a:chExt cx="1876837" cy="166788"/>
-          </a:xfrm>
-        </p:grpSpPr>
-        <p:sp>
-          <p:nvSpPr>
-            <p:cNvPr id="13" name="Freeform 13"/>
-            <p:cNvSpPr/>
-            <p:nvPr/>
-          </p:nvSpPr>
-          <p:spPr>
-            <a:xfrm>
-              <a:off x="0" y="0"/>
-              <a:ext cx="1876837" cy="166788"/>
-            </a:xfrm>
-            <a:custGeom>
-              <a:avLst/>
-              <a:gdLst/>
-              <a:ahLst/>
-              <a:cxnLst/>
-              <a:rect l="l" t="t" r="r" b="b"/>
-              <a:pathLst>
-                <a:path w="1876837" h="166788">
-                  <a:moveTo>
-                    <a:pt x="0" y="0"/>
-                  </a:moveTo>
-                  <a:lnTo>
-                    <a:pt x="1876837" y="0"/>
-                  </a:lnTo>
-                  <a:lnTo>
-                    <a:pt x="1876837" y="166788"/>
-                  </a:lnTo>
-                  <a:lnTo>
-                    <a:pt x="0" y="166788"/>
-                  </a:lnTo>
-                  <a:close/>
-                </a:path>
-              </a:pathLst>
-            </a:custGeom>
-            <a:solidFill>
-              <a:srgbClr val="FFCFCF"/>
-            </a:solidFill>
-          </p:spPr>
-        </p:sp>
-      </p:grpSp>
-      <p:sp>
-        <p:nvSpPr>
-          <p:cNvPr id="14" name="TextBox 13">
-            <a:extLst>
-              <a:ext uri="{FF2B5EF4-FFF2-40B4-BE49-F238E27FC236}">
-                <a16:creationId xmlns:a16="http://schemas.microsoft.com/office/drawing/2014/main" id="{2CE3DFA2-83DF-939D-2719-FA5A5391A9C8}"/>
-              </a:ext>
-            </a:extLst>
-          </p:cNvPr>
-          <p:cNvSpPr txBox="1"/>
-          <p:nvPr/>
-        </p:nvSpPr>
-        <p:spPr>
-          <a:xfrm>
-            <a:off x="438283" y="612837"/>
-            <a:ext cx="4922520" cy="415498"/>
-          </a:xfrm>
-          <a:prstGeom prst="rect">
-            <a:avLst/>
-          </a:prstGeom>
-          <a:noFill/>
-        </p:spPr>
-        <p:txBody>
-          <a:bodyPr wrap="square" rtlCol="0">
-            <a:spAutoFit/>
-          </a:bodyPr>
-          <a:lstStyle/>
-          <a:p>
-            <a:r>
-              <a:rPr lang="en-US" sz="2100" b="1" dirty="0"/>
-              <a:t>Text</a:t>
-            </a:r>
-            <a:endParaRPr lang="en-IN" sz="2100" b="1" dirty="0"/>
-          </a:p>
-        </p:txBody>
-      </p:sp>
-      <p:sp>
-        <p:nvSpPr>
-          <p:cNvPr id="15" name="TextBox 14">
-            <a:extLst>
-              <a:ext uri="{FF2B5EF4-FFF2-40B4-BE49-F238E27FC236}">
-                <a16:creationId xmlns:a16="http://schemas.microsoft.com/office/drawing/2014/main" id="{B882760A-4AC5-C98A-5B52-50077776F429}"/>
-              </a:ext>
-            </a:extLst>
-          </p:cNvPr>
-          <p:cNvSpPr txBox="1"/>
-          <p:nvPr/>
-        </p:nvSpPr>
-        <p:spPr>
-          <a:xfrm>
-            <a:off x="391388" y="945954"/>
-            <a:ext cx="8290477" cy="2585323"/>
-          </a:xfrm>
-          <a:prstGeom prst="rect">
-            <a:avLst/>
-          </a:prstGeom>
-          <a:noFill/>
-        </p:spPr>
-        <p:txBody>
-          <a:bodyPr wrap="square" rtlCol="0">
-            <a:spAutoFit/>
-          </a:bodyPr>
-          <a:lstStyle/>
-          <a:p>
-            <a:pPr marL="257175" indent="-257175">
-              <a:buFont typeface="Arial" panose="020B0604020202020204" pitchFamily="34" charset="0"/>
-              <a:buChar char="•"/>
-            </a:pPr>
-            <a:r>
-              <a:rPr lang="en-US" sz="1800" dirty="0">
-                <a:solidFill>
-                  <a:schemeClr val="tx1"/>
-                </a:solidFill>
-              </a:rPr>
-              <a:t>CSS has a lot of properties for formatting text.</a:t>
-            </a:r>
-          </a:p>
-          <a:p>
-            <a:pPr marL="257175" indent="-257175">
-              <a:buFont typeface="Arial" panose="020B0604020202020204" pitchFamily="34" charset="0"/>
-              <a:buChar char="•"/>
-            </a:pPr>
-            <a:endParaRPr lang="en-US" sz="1800" dirty="0">
-              <a:solidFill>
-                <a:schemeClr val="tx1"/>
-              </a:solidFill>
-            </a:endParaRPr>
-          </a:p>
-          <a:p>
-            <a:pPr marL="257175" indent="-257175">
-              <a:buFont typeface="Arial" panose="020B0604020202020204" pitchFamily="34" charset="0"/>
-              <a:buChar char="•"/>
-            </a:pPr>
-            <a:r>
-              <a:rPr lang="en-US" sz="1800" dirty="0">
-                <a:solidFill>
-                  <a:schemeClr val="tx1"/>
-                </a:solidFill>
-              </a:rPr>
-              <a:t>color</a:t>
-            </a:r>
-          </a:p>
-          <a:p>
-            <a:pPr marL="257175" indent="-257175">
-              <a:buFont typeface="Arial" panose="020B0604020202020204" pitchFamily="34" charset="0"/>
-              <a:buChar char="•"/>
-            </a:pPr>
-            <a:r>
-              <a:rPr lang="en-US" sz="1800" dirty="0">
-                <a:solidFill>
-                  <a:schemeClr val="tx1"/>
-                </a:solidFill>
-              </a:rPr>
-              <a:t>text-alignment </a:t>
-            </a:r>
-          </a:p>
-          <a:p>
-            <a:pPr marL="257175" indent="-257175">
-              <a:buFont typeface="Arial" panose="020B0604020202020204" pitchFamily="34" charset="0"/>
-              <a:buChar char="•"/>
-            </a:pPr>
-            <a:r>
-              <a:rPr lang="en-US" sz="1800" dirty="0">
-                <a:solidFill>
-                  <a:schemeClr val="tx1"/>
-                </a:solidFill>
-              </a:rPr>
-              <a:t>vertical-alignment</a:t>
-            </a:r>
-          </a:p>
-          <a:p>
-            <a:pPr marL="257175" indent="-257175">
-              <a:buFont typeface="Arial" panose="020B0604020202020204" pitchFamily="34" charset="0"/>
-              <a:buChar char="•"/>
-            </a:pPr>
-            <a:r>
-              <a:rPr lang="en-US" sz="1800" dirty="0">
-                <a:solidFill>
-                  <a:schemeClr val="tx1"/>
-                </a:solidFill>
-              </a:rPr>
-              <a:t>text-decoration</a:t>
-            </a:r>
-          </a:p>
-          <a:p>
-            <a:pPr marL="257175" indent="-257175">
-              <a:buFont typeface="Arial" panose="020B0604020202020204" pitchFamily="34" charset="0"/>
-              <a:buChar char="•"/>
-            </a:pPr>
-            <a:r>
-              <a:rPr lang="en-US" sz="1800" dirty="0">
-                <a:solidFill>
-                  <a:schemeClr val="tx1"/>
-                </a:solidFill>
-              </a:rPr>
-              <a:t>text-transform</a:t>
-            </a:r>
-          </a:p>
-          <a:p>
-            <a:pPr marL="257175" indent="-257175">
-              <a:buFont typeface="Arial" panose="020B0604020202020204" pitchFamily="34" charset="0"/>
-              <a:buChar char="•"/>
-            </a:pPr>
-            <a:r>
-              <a:rPr lang="en-US" sz="1800" dirty="0">
-                <a:solidFill>
-                  <a:schemeClr val="tx1"/>
-                </a:solidFill>
-              </a:rPr>
-              <a:t>text-</a:t>
-            </a:r>
-            <a:r>
-              <a:rPr lang="en-US" sz="1800" dirty="0" err="1">
-                <a:solidFill>
-                  <a:schemeClr val="tx1"/>
-                </a:solidFill>
-              </a:rPr>
-              <a:t>identation</a:t>
-            </a:r>
-            <a:endParaRPr lang="en-US" sz="1800" dirty="0">
-              <a:solidFill>
-                <a:schemeClr val="tx1"/>
-              </a:solidFill>
-            </a:endParaRPr>
-          </a:p>
-          <a:p>
-            <a:pPr marL="257175" indent="-257175">
-              <a:buFont typeface="Arial" panose="020B0604020202020204" pitchFamily="34" charset="0"/>
-              <a:buChar char="•"/>
-            </a:pPr>
-            <a:endParaRPr lang="en-US" sz="1800" dirty="0">
-              <a:solidFill>
-                <a:schemeClr val="tx1"/>
-              </a:solidFill>
-            </a:endParaRPr>
-          </a:p>
-        </p:txBody>
-      </p:sp>
-    </p:spTree>
-    <p:extLst>
-      <p:ext uri="{BB962C8B-B14F-4D97-AF65-F5344CB8AC3E}">
-        <p14:creationId xmlns:p14="http://schemas.microsoft.com/office/powerpoint/2010/main" val="3450957844"/>
-      </p:ext>
-    </p:extLst>
-  </p:cSld>
-  <p:clrMapOvr>
-    <a:masterClrMapping/>
-  </p:clrMapOvr>
-</p:sld>
-</file>
-
-<file path=ppt/slides/slide15.xml><?xml version="1.0" encoding="utf-8"?>
-<p:sld xmlns:a="http://schemas.openxmlformats.org/drawingml/2006/main" xmlns:r="http://schemas.openxmlformats.org/officeDocument/2006/relationships" xmlns:p="http://schemas.openxmlformats.org/presentationml/2006/main">
-  <p:cSld>
-    <p:spTree>
-      <p:nvGrpSpPr>
-        <p:cNvPr id="1" name=""/>
-        <p:cNvGrpSpPr/>
-        <p:nvPr/>
-      </p:nvGrpSpPr>
-      <p:grpSpPr>
-        <a:xfrm>
-          <a:off x="0" y="0"/>
-          <a:ext cx="0" cy="0"/>
-          <a:chOff x="0" y="0"/>
-          <a:chExt cx="0" cy="0"/>
-        </a:xfrm>
-      </p:grpSpPr>
-      <p:pic>
-        <p:nvPicPr>
-          <p:cNvPr id="2" name="Picture 2"/>
-          <p:cNvPicPr>
-            <a:picLocks noChangeAspect="1"/>
-          </p:cNvPicPr>
-          <p:nvPr/>
-        </p:nvPicPr>
-        <p:blipFill>
-          <a:blip r:embed="rId2">
-            <a:alphaModFix amt="6000"/>
-            <a:extLst>
-              <a:ext uri="{28A0092B-C50C-407E-A947-70E740481C1C}">
-                <a14:useLocalDpi xmlns:a14="http://schemas.microsoft.com/office/drawing/2010/main" val="0"/>
-              </a:ext>
-              <a:ext uri="{96DAC541-7B7A-43D3-8B79-37D633B846F1}">
-                <asvg:svgBlip xmlns:asvg="http://schemas.microsoft.com/office/drawing/2016/SVG/main" r:embed="rId3"/>
-              </a:ext>
-            </a:extLst>
-          </a:blip>
-          <a:srcRect/>
-          <a:stretch>
-            <a:fillRect/>
-          </a:stretch>
-        </p:blipFill>
-        <p:spPr>
-          <a:xfrm flipH="1">
-            <a:off x="-9815" y="0"/>
-            <a:ext cx="1163811" cy="1163811"/>
-          </a:xfrm>
-          <a:prstGeom prst="rect">
-            <a:avLst/>
-          </a:prstGeom>
-        </p:spPr>
-      </p:pic>
-      <p:pic>
-        <p:nvPicPr>
-          <p:cNvPr id="3" name="Picture 3"/>
-          <p:cNvPicPr>
-            <a:picLocks noChangeAspect="1"/>
-          </p:cNvPicPr>
-          <p:nvPr/>
-        </p:nvPicPr>
-        <p:blipFill>
-          <a:blip r:embed="rId2" cstate="print">
-            <a:alphaModFix amt="6000"/>
-            <a:extLst>
-              <a:ext uri="{28A0092B-C50C-407E-A947-70E740481C1C}">
-                <a14:useLocalDpi xmlns:a14="http://schemas.microsoft.com/office/drawing/2010/main" val="0"/>
-              </a:ext>
-              <a:ext uri="{96DAC541-7B7A-43D3-8B79-37D633B846F1}">
-                <asvg:svgBlip xmlns:asvg="http://schemas.microsoft.com/office/drawing/2016/SVG/main" r:embed="rId3"/>
-              </a:ext>
-            </a:extLst>
-          </a:blip>
-          <a:srcRect/>
-          <a:stretch>
-            <a:fillRect/>
-          </a:stretch>
-        </p:blipFill>
-        <p:spPr>
-          <a:xfrm flipH="1">
-            <a:off x="8072956" y="4072456"/>
-            <a:ext cx="1071044" cy="1071044"/>
-          </a:xfrm>
-          <a:prstGeom prst="rect">
-            <a:avLst/>
-          </a:prstGeom>
-        </p:spPr>
-      </p:pic>
-      <p:grpSp>
-        <p:nvGrpSpPr>
-          <p:cNvPr id="4" name="Group 4"/>
-          <p:cNvGrpSpPr/>
-          <p:nvPr/>
-        </p:nvGrpSpPr>
-        <p:grpSpPr>
-          <a:xfrm>
-            <a:off x="8751721" y="0"/>
-            <a:ext cx="392279" cy="914768"/>
-            <a:chOff x="0" y="0"/>
-            <a:chExt cx="286209" cy="667420"/>
-          </a:xfrm>
-        </p:grpSpPr>
-        <p:sp>
-          <p:nvSpPr>
-            <p:cNvPr id="5" name="Freeform 5"/>
-            <p:cNvSpPr/>
-            <p:nvPr/>
-          </p:nvSpPr>
-          <p:spPr>
-            <a:xfrm>
-              <a:off x="0" y="0"/>
-              <a:ext cx="286209" cy="667419"/>
-            </a:xfrm>
-            <a:custGeom>
-              <a:avLst/>
-              <a:gdLst/>
-              <a:ahLst/>
-              <a:cxnLst/>
-              <a:rect l="l" t="t" r="r" b="b"/>
-              <a:pathLst>
-                <a:path w="286209" h="667419">
-                  <a:moveTo>
-                    <a:pt x="0" y="0"/>
-                  </a:moveTo>
-                  <a:lnTo>
-                    <a:pt x="286209" y="0"/>
-                  </a:lnTo>
-                  <a:lnTo>
-                    <a:pt x="286209" y="667419"/>
-                  </a:lnTo>
-                  <a:lnTo>
-                    <a:pt x="0" y="667419"/>
-                  </a:lnTo>
-                  <a:close/>
-                </a:path>
-              </a:pathLst>
-            </a:custGeom>
-            <a:solidFill>
-              <a:srgbClr val="FF9D8F"/>
-            </a:solidFill>
-          </p:spPr>
-        </p:sp>
-      </p:grpSp>
-      <p:grpSp>
-        <p:nvGrpSpPr>
-          <p:cNvPr id="6" name="Group 6"/>
-          <p:cNvGrpSpPr/>
-          <p:nvPr/>
-        </p:nvGrpSpPr>
-        <p:grpSpPr>
-          <a:xfrm>
-            <a:off x="8751721" y="4454699"/>
-            <a:ext cx="392279" cy="1377603"/>
-            <a:chOff x="0" y="0"/>
-            <a:chExt cx="286209" cy="1005107"/>
-          </a:xfrm>
-        </p:grpSpPr>
-        <p:sp>
-          <p:nvSpPr>
-            <p:cNvPr id="7" name="Freeform 7"/>
-            <p:cNvSpPr/>
-            <p:nvPr/>
-          </p:nvSpPr>
-          <p:spPr>
-            <a:xfrm>
-              <a:off x="0" y="0"/>
-              <a:ext cx="286209" cy="1005107"/>
-            </a:xfrm>
-            <a:custGeom>
-              <a:avLst/>
-              <a:gdLst/>
-              <a:ahLst/>
-              <a:cxnLst/>
-              <a:rect l="l" t="t" r="r" b="b"/>
-              <a:pathLst>
-                <a:path w="286209" h="1005107">
-                  <a:moveTo>
-                    <a:pt x="0" y="0"/>
-                  </a:moveTo>
-                  <a:lnTo>
-                    <a:pt x="286209" y="0"/>
-                  </a:lnTo>
-                  <a:lnTo>
-                    <a:pt x="286209" y="1005107"/>
-                  </a:lnTo>
-                  <a:lnTo>
-                    <a:pt x="0" y="1005107"/>
-                  </a:lnTo>
-                  <a:close/>
-                </a:path>
-              </a:pathLst>
-            </a:custGeom>
-            <a:solidFill>
-              <a:srgbClr val="FFEAEA"/>
-            </a:solidFill>
-          </p:spPr>
-        </p:sp>
-      </p:grpSp>
-      <p:grpSp>
-        <p:nvGrpSpPr>
-          <p:cNvPr id="8" name="Group 8"/>
-          <p:cNvGrpSpPr/>
-          <p:nvPr/>
-        </p:nvGrpSpPr>
-        <p:grpSpPr>
-          <a:xfrm>
-            <a:off x="0" y="4247304"/>
-            <a:ext cx="897632" cy="896196"/>
-            <a:chOff x="0" y="0"/>
-            <a:chExt cx="6350000" cy="6339840"/>
-          </a:xfrm>
-        </p:grpSpPr>
-        <p:sp>
-          <p:nvSpPr>
-            <p:cNvPr id="9" name="Freeform 9"/>
-            <p:cNvSpPr/>
-            <p:nvPr/>
-          </p:nvSpPr>
-          <p:spPr>
-            <a:xfrm>
-              <a:off x="0" y="0"/>
-              <a:ext cx="6350000" cy="6339840"/>
-            </a:xfrm>
-            <a:custGeom>
-              <a:avLst/>
-              <a:gdLst/>
-              <a:ahLst/>
-              <a:cxnLst/>
-              <a:rect l="l" t="t" r="r" b="b"/>
-              <a:pathLst>
-                <a:path w="6350000" h="6339840">
-                  <a:moveTo>
-                    <a:pt x="6350000" y="6339840"/>
-                  </a:moveTo>
-                  <a:lnTo>
-                    <a:pt x="0" y="6339840"/>
-                  </a:lnTo>
-                  <a:lnTo>
-                    <a:pt x="0" y="0"/>
-                  </a:lnTo>
-                  <a:lnTo>
-                    <a:pt x="6350000" y="6339840"/>
-                  </a:lnTo>
-                  <a:close/>
-                </a:path>
-              </a:pathLst>
-            </a:custGeom>
-            <a:solidFill>
-              <a:srgbClr val="E6F0FF"/>
-            </a:solidFill>
-          </p:spPr>
-        </p:sp>
-      </p:grpSp>
-      <p:grpSp>
-        <p:nvGrpSpPr>
-          <p:cNvPr id="10" name="Group 10"/>
-          <p:cNvGrpSpPr/>
-          <p:nvPr/>
-        </p:nvGrpSpPr>
-        <p:grpSpPr>
-          <a:xfrm rot="5400000">
-            <a:off x="-10533" y="0"/>
-            <a:ext cx="897632" cy="896196"/>
-            <a:chOff x="0" y="0"/>
-            <a:chExt cx="6350000" cy="6339840"/>
-          </a:xfrm>
-        </p:grpSpPr>
-        <p:sp>
-          <p:nvSpPr>
-            <p:cNvPr id="11" name="Freeform 11"/>
-            <p:cNvSpPr/>
-            <p:nvPr/>
-          </p:nvSpPr>
-          <p:spPr>
-            <a:xfrm>
-              <a:off x="0" y="0"/>
-              <a:ext cx="6350000" cy="6339840"/>
-            </a:xfrm>
-            <a:custGeom>
-              <a:avLst/>
-              <a:gdLst/>
-              <a:ahLst/>
-              <a:cxnLst/>
-              <a:rect l="l" t="t" r="r" b="b"/>
-              <a:pathLst>
-                <a:path w="6350000" h="6339840">
-                  <a:moveTo>
-                    <a:pt x="6350000" y="6339840"/>
-                  </a:moveTo>
-                  <a:lnTo>
-                    <a:pt x="0" y="6339840"/>
-                  </a:lnTo>
-                  <a:lnTo>
-                    <a:pt x="0" y="0"/>
-                  </a:lnTo>
-                  <a:lnTo>
-                    <a:pt x="6350000" y="6339840"/>
-                  </a:lnTo>
-                  <a:close/>
-                </a:path>
-              </a:pathLst>
-            </a:custGeom>
-            <a:solidFill>
-              <a:srgbClr val="E6F0FF"/>
-            </a:solidFill>
-          </p:spPr>
-        </p:sp>
-      </p:grpSp>
-      <p:grpSp>
-        <p:nvGrpSpPr>
-          <p:cNvPr id="12" name="Group 12"/>
-          <p:cNvGrpSpPr/>
-          <p:nvPr/>
-        </p:nvGrpSpPr>
-        <p:grpSpPr>
-          <a:xfrm>
-            <a:off x="514350" y="684157"/>
-            <a:ext cx="3070438" cy="272859"/>
-            <a:chOff x="0" y="0"/>
-            <a:chExt cx="1876837" cy="166788"/>
-          </a:xfrm>
-        </p:grpSpPr>
-        <p:sp>
-          <p:nvSpPr>
-            <p:cNvPr id="13" name="Freeform 13"/>
-            <p:cNvSpPr/>
-            <p:nvPr/>
-          </p:nvSpPr>
-          <p:spPr>
-            <a:xfrm>
-              <a:off x="0" y="0"/>
-              <a:ext cx="1876837" cy="166788"/>
-            </a:xfrm>
-            <a:custGeom>
-              <a:avLst/>
-              <a:gdLst/>
-              <a:ahLst/>
-              <a:cxnLst/>
-              <a:rect l="l" t="t" r="r" b="b"/>
-              <a:pathLst>
-                <a:path w="1876837" h="166788">
-                  <a:moveTo>
-                    <a:pt x="0" y="0"/>
-                  </a:moveTo>
-                  <a:lnTo>
-                    <a:pt x="1876837" y="0"/>
-                  </a:lnTo>
-                  <a:lnTo>
-                    <a:pt x="1876837" y="166788"/>
-                  </a:lnTo>
-                  <a:lnTo>
-                    <a:pt x="0" y="166788"/>
-                  </a:lnTo>
-                  <a:close/>
-                </a:path>
-              </a:pathLst>
-            </a:custGeom>
-            <a:solidFill>
-              <a:srgbClr val="FFCFCF"/>
-            </a:solidFill>
-          </p:spPr>
-        </p:sp>
-      </p:grpSp>
-      <p:sp>
-        <p:nvSpPr>
-          <p:cNvPr id="14" name="TextBox 13">
-            <a:extLst>
-              <a:ext uri="{FF2B5EF4-FFF2-40B4-BE49-F238E27FC236}">
-                <a16:creationId xmlns:a16="http://schemas.microsoft.com/office/drawing/2014/main" id="{2CE3DFA2-83DF-939D-2719-FA5A5391A9C8}"/>
-              </a:ext>
-            </a:extLst>
-          </p:cNvPr>
-          <p:cNvSpPr txBox="1"/>
-          <p:nvPr/>
-        </p:nvSpPr>
-        <p:spPr>
-          <a:xfrm>
-            <a:off x="514350" y="613692"/>
-            <a:ext cx="4922520" cy="415498"/>
-          </a:xfrm>
-          <a:prstGeom prst="rect">
-            <a:avLst/>
-          </a:prstGeom>
-          <a:noFill/>
-        </p:spPr>
-        <p:txBody>
-          <a:bodyPr wrap="square" rtlCol="0">
-            <a:spAutoFit/>
-          </a:bodyPr>
-          <a:lstStyle/>
-          <a:p>
-            <a:r>
-              <a:rPr lang="en-US" sz="2100" b="1" dirty="0"/>
-              <a:t>Font</a:t>
-            </a:r>
-            <a:endParaRPr lang="en-IN" sz="2100" b="1" dirty="0"/>
-          </a:p>
-        </p:txBody>
-      </p:sp>
-      <p:sp>
-        <p:nvSpPr>
-          <p:cNvPr id="16" name="TextBox 15">
-            <a:extLst>
-              <a:ext uri="{FF2B5EF4-FFF2-40B4-BE49-F238E27FC236}">
-                <a16:creationId xmlns:a16="http://schemas.microsoft.com/office/drawing/2014/main" id="{9BE069F8-F016-0F73-4F54-30B9DB8E9055}"/>
-              </a:ext>
-            </a:extLst>
-          </p:cNvPr>
-          <p:cNvSpPr txBox="1"/>
-          <p:nvPr/>
-        </p:nvSpPr>
-        <p:spPr>
-          <a:xfrm>
-            <a:off x="391388" y="945954"/>
-            <a:ext cx="8290477" cy="3693319"/>
-          </a:xfrm>
-          <a:prstGeom prst="rect">
-            <a:avLst/>
-          </a:prstGeom>
-          <a:noFill/>
-        </p:spPr>
-        <p:txBody>
-          <a:bodyPr wrap="square" rtlCol="0">
-            <a:spAutoFit/>
-          </a:bodyPr>
-          <a:lstStyle/>
-          <a:p>
-            <a:pPr marL="257175" indent="-257175">
-              <a:buFont typeface="Arial" panose="020B0604020202020204" pitchFamily="34" charset="0"/>
-              <a:buChar char="•"/>
-            </a:pPr>
-            <a:r>
-              <a:rPr lang="en-US" sz="1800" dirty="0"/>
-              <a:t>Choosing the right font has a huge impact on how the readers experience a website.</a:t>
-            </a:r>
-          </a:p>
-          <a:p>
-            <a:pPr marL="257175" indent="-257175">
-              <a:buFont typeface="Arial" panose="020B0604020202020204" pitchFamily="34" charset="0"/>
-              <a:buChar char="•"/>
-            </a:pPr>
-            <a:r>
-              <a:rPr lang="en-US" sz="1800" dirty="0"/>
-              <a:t>The right font can create a strong identity for your brand.</a:t>
-            </a:r>
-          </a:p>
-          <a:p>
-            <a:pPr marL="257175" indent="-257175">
-              <a:buFont typeface="Arial" panose="020B0604020202020204" pitchFamily="34" charset="0"/>
-              <a:buChar char="•"/>
-            </a:pPr>
-            <a:r>
-              <a:rPr lang="en-US" sz="1800" dirty="0"/>
-              <a:t>Using a font that is easy to read is important. The font adds value to your text. It is also important to choose the correct color and text size for the font.</a:t>
-            </a:r>
-          </a:p>
-          <a:p>
-            <a:pPr marL="257175" indent="-257175">
-              <a:buFont typeface="Arial" panose="020B0604020202020204" pitchFamily="34" charset="0"/>
-              <a:buChar char="•"/>
-            </a:pPr>
-            <a:endParaRPr lang="en-US" sz="1800" dirty="0"/>
-          </a:p>
-          <a:p>
-            <a:pPr marL="257175" indent="-257175">
-              <a:buFont typeface="Arial" panose="020B0604020202020204" pitchFamily="34" charset="0"/>
-              <a:buChar char="•"/>
-            </a:pPr>
-            <a:r>
-              <a:rPr lang="en-US" sz="1800" dirty="0"/>
-              <a:t>Font-family</a:t>
-            </a:r>
-          </a:p>
-          <a:p>
-            <a:pPr marL="257175" indent="-257175">
-              <a:buFont typeface="Arial" panose="020B0604020202020204" pitchFamily="34" charset="0"/>
-              <a:buChar char="•"/>
-            </a:pPr>
-            <a:r>
-              <a:rPr lang="en-US" sz="1800" dirty="0"/>
-              <a:t>Font style </a:t>
-            </a:r>
-          </a:p>
-          <a:p>
-            <a:pPr marL="257175" indent="-257175">
-              <a:buFont typeface="Arial" panose="020B0604020202020204" pitchFamily="34" charset="0"/>
-              <a:buChar char="•"/>
-            </a:pPr>
-            <a:r>
-              <a:rPr lang="en-US" sz="1800" dirty="0"/>
-              <a:t>Font-weight</a:t>
-            </a:r>
-          </a:p>
-          <a:p>
-            <a:pPr marL="257175" indent="-257175">
-              <a:buFont typeface="Arial" panose="020B0604020202020204" pitchFamily="34" charset="0"/>
-              <a:buChar char="•"/>
-            </a:pPr>
-            <a:endParaRPr lang="en-US" sz="1800" dirty="0"/>
-          </a:p>
-          <a:p>
-            <a:pPr marL="257175" indent="-257175">
-              <a:buFont typeface="Arial" panose="020B0604020202020204" pitchFamily="34" charset="0"/>
-              <a:buChar char="•"/>
-            </a:pPr>
-            <a:endParaRPr lang="en-US" sz="1800" dirty="0"/>
-          </a:p>
-          <a:p>
-            <a:pPr marL="257175" indent="-257175">
-              <a:buFont typeface="Arial" panose="020B0604020202020204" pitchFamily="34" charset="0"/>
-              <a:buChar char="•"/>
-            </a:pPr>
-            <a:endParaRPr lang="en-US" sz="1800" dirty="0"/>
-          </a:p>
-          <a:p>
-            <a:pPr marL="257175" indent="-257175">
-              <a:buFont typeface="Arial" panose="020B0604020202020204" pitchFamily="34" charset="0"/>
-              <a:buChar char="•"/>
-            </a:pPr>
-            <a:endParaRPr lang="en-US" sz="1800" dirty="0"/>
-          </a:p>
-        </p:txBody>
-      </p:sp>
-    </p:spTree>
-    <p:extLst>
-      <p:ext uri="{BB962C8B-B14F-4D97-AF65-F5344CB8AC3E}">
-        <p14:creationId xmlns:p14="http://schemas.microsoft.com/office/powerpoint/2010/main" val="3547190441"/>
-      </p:ext>
-    </p:extLst>
-  </p:cSld>
-  <p:clrMapOvr>
-    <a:masterClrMapping/>
-  </p:clrMapOvr>
-</p:sld>
-</file>
-
-<file path=ppt/slides/slide16.xml><?xml version="1.0" encoding="utf-8"?>
-<p:sld xmlns:a="http://schemas.openxmlformats.org/drawingml/2006/main" xmlns:r="http://schemas.openxmlformats.org/officeDocument/2006/relationships" xmlns:p="http://schemas.openxmlformats.org/presentationml/2006/main">
-  <p:cSld>
-    <p:spTree>
-      <p:nvGrpSpPr>
-        <p:cNvPr id="1" name=""/>
-        <p:cNvGrpSpPr/>
-        <p:nvPr/>
-      </p:nvGrpSpPr>
-      <p:grpSpPr>
-        <a:xfrm>
-          <a:off x="0" y="0"/>
-          <a:ext cx="0" cy="0"/>
-          <a:chOff x="0" y="0"/>
-          <a:chExt cx="0" cy="0"/>
-        </a:xfrm>
-      </p:grpSpPr>
-      <p:pic>
-        <p:nvPicPr>
-          <p:cNvPr id="2" name="Picture 2"/>
-          <p:cNvPicPr>
-            <a:picLocks noChangeAspect="1"/>
-          </p:cNvPicPr>
-          <p:nvPr/>
-        </p:nvPicPr>
-        <p:blipFill>
-          <a:blip r:embed="rId2">
-            <a:alphaModFix amt="6000"/>
-            <a:extLst>
-              <a:ext uri="{28A0092B-C50C-407E-A947-70E740481C1C}">
-                <a14:useLocalDpi xmlns:a14="http://schemas.microsoft.com/office/drawing/2010/main" val="0"/>
-              </a:ext>
-              <a:ext uri="{96DAC541-7B7A-43D3-8B79-37D633B846F1}">
-                <asvg:svgBlip xmlns:asvg="http://schemas.microsoft.com/office/drawing/2016/SVG/main" r:embed="rId3"/>
-              </a:ext>
-            </a:extLst>
-          </a:blip>
-          <a:srcRect/>
-          <a:stretch>
-            <a:fillRect/>
-          </a:stretch>
-        </p:blipFill>
-        <p:spPr>
-          <a:xfrm flipH="1">
-            <a:off x="-9815" y="0"/>
-            <a:ext cx="1163811" cy="1163811"/>
-          </a:xfrm>
-          <a:prstGeom prst="rect">
-            <a:avLst/>
-          </a:prstGeom>
-        </p:spPr>
-      </p:pic>
-      <p:pic>
-        <p:nvPicPr>
-          <p:cNvPr id="3" name="Picture 3"/>
-          <p:cNvPicPr>
-            <a:picLocks noChangeAspect="1"/>
-          </p:cNvPicPr>
-          <p:nvPr/>
-        </p:nvPicPr>
-        <p:blipFill>
-          <a:blip r:embed="rId2" cstate="print">
-            <a:alphaModFix amt="6000"/>
-            <a:extLst>
-              <a:ext uri="{28A0092B-C50C-407E-A947-70E740481C1C}">
-                <a14:useLocalDpi xmlns:a14="http://schemas.microsoft.com/office/drawing/2010/main" val="0"/>
-              </a:ext>
-              <a:ext uri="{96DAC541-7B7A-43D3-8B79-37D633B846F1}">
-                <asvg:svgBlip xmlns:asvg="http://schemas.microsoft.com/office/drawing/2016/SVG/main" r:embed="rId3"/>
-              </a:ext>
-            </a:extLst>
-          </a:blip>
-          <a:srcRect/>
-          <a:stretch>
-            <a:fillRect/>
-          </a:stretch>
-        </p:blipFill>
-        <p:spPr>
-          <a:xfrm flipH="1">
-            <a:off x="8072956" y="4072456"/>
-            <a:ext cx="1071044" cy="1071044"/>
-          </a:xfrm>
-          <a:prstGeom prst="rect">
-            <a:avLst/>
-          </a:prstGeom>
-        </p:spPr>
-      </p:pic>
-      <p:grpSp>
-        <p:nvGrpSpPr>
-          <p:cNvPr id="4" name="Group 4"/>
-          <p:cNvGrpSpPr/>
-          <p:nvPr/>
-        </p:nvGrpSpPr>
-        <p:grpSpPr>
-          <a:xfrm>
-            <a:off x="8751721" y="0"/>
-            <a:ext cx="392279" cy="914768"/>
-            <a:chOff x="0" y="0"/>
-            <a:chExt cx="286209" cy="667420"/>
-          </a:xfrm>
-        </p:grpSpPr>
-        <p:sp>
-          <p:nvSpPr>
-            <p:cNvPr id="5" name="Freeform 5"/>
-            <p:cNvSpPr/>
-            <p:nvPr/>
-          </p:nvSpPr>
-          <p:spPr>
-            <a:xfrm>
-              <a:off x="0" y="0"/>
-              <a:ext cx="286209" cy="667419"/>
-            </a:xfrm>
-            <a:custGeom>
-              <a:avLst/>
-              <a:gdLst/>
-              <a:ahLst/>
-              <a:cxnLst/>
-              <a:rect l="l" t="t" r="r" b="b"/>
-              <a:pathLst>
-                <a:path w="286209" h="667419">
-                  <a:moveTo>
-                    <a:pt x="0" y="0"/>
-                  </a:moveTo>
-                  <a:lnTo>
-                    <a:pt x="286209" y="0"/>
-                  </a:lnTo>
-                  <a:lnTo>
-                    <a:pt x="286209" y="667419"/>
-                  </a:lnTo>
-                  <a:lnTo>
-                    <a:pt x="0" y="667419"/>
-                  </a:lnTo>
-                  <a:close/>
-                </a:path>
-              </a:pathLst>
-            </a:custGeom>
-            <a:solidFill>
-              <a:srgbClr val="FF9D8F"/>
-            </a:solidFill>
-          </p:spPr>
-        </p:sp>
-      </p:grpSp>
-      <p:grpSp>
-        <p:nvGrpSpPr>
-          <p:cNvPr id="6" name="Group 6"/>
-          <p:cNvGrpSpPr/>
-          <p:nvPr/>
-        </p:nvGrpSpPr>
-        <p:grpSpPr>
-          <a:xfrm>
-            <a:off x="8751721" y="4454699"/>
-            <a:ext cx="392279" cy="1377603"/>
-            <a:chOff x="0" y="0"/>
-            <a:chExt cx="286209" cy="1005107"/>
-          </a:xfrm>
-        </p:grpSpPr>
-        <p:sp>
-          <p:nvSpPr>
-            <p:cNvPr id="7" name="Freeform 7"/>
-            <p:cNvSpPr/>
-            <p:nvPr/>
-          </p:nvSpPr>
-          <p:spPr>
-            <a:xfrm>
-              <a:off x="0" y="0"/>
-              <a:ext cx="286209" cy="1005107"/>
-            </a:xfrm>
-            <a:custGeom>
-              <a:avLst/>
-              <a:gdLst/>
-              <a:ahLst/>
-              <a:cxnLst/>
-              <a:rect l="l" t="t" r="r" b="b"/>
-              <a:pathLst>
-                <a:path w="286209" h="1005107">
-                  <a:moveTo>
-                    <a:pt x="0" y="0"/>
-                  </a:moveTo>
-                  <a:lnTo>
-                    <a:pt x="286209" y="0"/>
-                  </a:lnTo>
-                  <a:lnTo>
-                    <a:pt x="286209" y="1005107"/>
-                  </a:lnTo>
-                  <a:lnTo>
-                    <a:pt x="0" y="1005107"/>
-                  </a:lnTo>
-                  <a:close/>
-                </a:path>
-              </a:pathLst>
-            </a:custGeom>
-            <a:solidFill>
-              <a:srgbClr val="FFEAEA"/>
-            </a:solidFill>
-          </p:spPr>
-        </p:sp>
-      </p:grpSp>
-      <p:grpSp>
-        <p:nvGrpSpPr>
-          <p:cNvPr id="8" name="Group 8"/>
-          <p:cNvGrpSpPr/>
-          <p:nvPr/>
-        </p:nvGrpSpPr>
-        <p:grpSpPr>
-          <a:xfrm>
-            <a:off x="0" y="4247304"/>
-            <a:ext cx="897632" cy="896196"/>
-            <a:chOff x="0" y="0"/>
-            <a:chExt cx="6350000" cy="6339840"/>
-          </a:xfrm>
-        </p:grpSpPr>
-        <p:sp>
-          <p:nvSpPr>
-            <p:cNvPr id="9" name="Freeform 9"/>
-            <p:cNvSpPr/>
-            <p:nvPr/>
-          </p:nvSpPr>
-          <p:spPr>
-            <a:xfrm>
-              <a:off x="0" y="0"/>
-              <a:ext cx="6350000" cy="6339840"/>
-            </a:xfrm>
-            <a:custGeom>
-              <a:avLst/>
-              <a:gdLst/>
-              <a:ahLst/>
-              <a:cxnLst/>
-              <a:rect l="l" t="t" r="r" b="b"/>
-              <a:pathLst>
-                <a:path w="6350000" h="6339840">
-                  <a:moveTo>
-                    <a:pt x="6350000" y="6339840"/>
-                  </a:moveTo>
-                  <a:lnTo>
-                    <a:pt x="0" y="6339840"/>
-                  </a:lnTo>
-                  <a:lnTo>
-                    <a:pt x="0" y="0"/>
-                  </a:lnTo>
-                  <a:lnTo>
-                    <a:pt x="6350000" y="6339840"/>
-                  </a:lnTo>
-                  <a:close/>
-                </a:path>
-              </a:pathLst>
-            </a:custGeom>
-            <a:solidFill>
-              <a:srgbClr val="E6F0FF"/>
-            </a:solidFill>
-          </p:spPr>
-        </p:sp>
-      </p:grpSp>
-      <p:grpSp>
-        <p:nvGrpSpPr>
-          <p:cNvPr id="10" name="Group 10"/>
-          <p:cNvGrpSpPr/>
-          <p:nvPr/>
-        </p:nvGrpSpPr>
-        <p:grpSpPr>
-          <a:xfrm rot="5400000">
-            <a:off x="-10533" y="0"/>
-            <a:ext cx="897632" cy="896196"/>
-            <a:chOff x="0" y="0"/>
-            <a:chExt cx="6350000" cy="6339840"/>
-          </a:xfrm>
-        </p:grpSpPr>
-        <p:sp>
-          <p:nvSpPr>
-            <p:cNvPr id="11" name="Freeform 11"/>
-            <p:cNvSpPr/>
-            <p:nvPr/>
-          </p:nvSpPr>
-          <p:spPr>
-            <a:xfrm>
-              <a:off x="0" y="0"/>
-              <a:ext cx="6350000" cy="6339840"/>
-            </a:xfrm>
-            <a:custGeom>
-              <a:avLst/>
-              <a:gdLst/>
-              <a:ahLst/>
-              <a:cxnLst/>
-              <a:rect l="l" t="t" r="r" b="b"/>
-              <a:pathLst>
-                <a:path w="6350000" h="6339840">
-                  <a:moveTo>
-                    <a:pt x="6350000" y="6339840"/>
-                  </a:moveTo>
-                  <a:lnTo>
-                    <a:pt x="0" y="6339840"/>
-                  </a:lnTo>
-                  <a:lnTo>
-                    <a:pt x="0" y="0"/>
-                  </a:lnTo>
-                  <a:lnTo>
-                    <a:pt x="6350000" y="6339840"/>
-                  </a:lnTo>
-                  <a:close/>
-                </a:path>
-              </a:pathLst>
-            </a:custGeom>
-            <a:solidFill>
-              <a:srgbClr val="E6F0FF"/>
-            </a:solidFill>
-          </p:spPr>
-        </p:sp>
-      </p:grpSp>
-      <p:grpSp>
-        <p:nvGrpSpPr>
-          <p:cNvPr id="12" name="Group 12"/>
-          <p:cNvGrpSpPr/>
-          <p:nvPr/>
-        </p:nvGrpSpPr>
-        <p:grpSpPr>
-          <a:xfrm>
-            <a:off x="514350" y="684157"/>
-            <a:ext cx="3070438" cy="272859"/>
-            <a:chOff x="0" y="0"/>
-            <a:chExt cx="1876837" cy="166788"/>
-          </a:xfrm>
-        </p:grpSpPr>
-        <p:sp>
-          <p:nvSpPr>
-            <p:cNvPr id="13" name="Freeform 13"/>
-            <p:cNvSpPr/>
-            <p:nvPr/>
-          </p:nvSpPr>
-          <p:spPr>
-            <a:xfrm>
-              <a:off x="0" y="0"/>
-              <a:ext cx="1876837" cy="166788"/>
-            </a:xfrm>
-            <a:custGeom>
-              <a:avLst/>
-              <a:gdLst/>
-              <a:ahLst/>
-              <a:cxnLst/>
-              <a:rect l="l" t="t" r="r" b="b"/>
-              <a:pathLst>
-                <a:path w="1876837" h="166788">
-                  <a:moveTo>
-                    <a:pt x="0" y="0"/>
-                  </a:moveTo>
-                  <a:lnTo>
-                    <a:pt x="1876837" y="0"/>
-                  </a:lnTo>
-                  <a:lnTo>
-                    <a:pt x="1876837" y="166788"/>
-                  </a:lnTo>
-                  <a:lnTo>
-                    <a:pt x="0" y="166788"/>
-                  </a:lnTo>
-                  <a:close/>
-                </a:path>
-              </a:pathLst>
-            </a:custGeom>
-            <a:solidFill>
-              <a:srgbClr val="FFCFCF"/>
-            </a:solidFill>
-          </p:spPr>
-        </p:sp>
-      </p:grpSp>
-      <p:sp>
-        <p:nvSpPr>
-          <p:cNvPr id="14" name="TextBox 13">
-            <a:extLst>
-              <a:ext uri="{FF2B5EF4-FFF2-40B4-BE49-F238E27FC236}">
-                <a16:creationId xmlns:a16="http://schemas.microsoft.com/office/drawing/2014/main" id="{2CE3DFA2-83DF-939D-2719-FA5A5391A9C8}"/>
-              </a:ext>
-            </a:extLst>
-          </p:cNvPr>
-          <p:cNvSpPr txBox="1"/>
-          <p:nvPr/>
-        </p:nvSpPr>
-        <p:spPr>
-          <a:xfrm>
-            <a:off x="448816" y="612837"/>
-            <a:ext cx="4922520" cy="415498"/>
-          </a:xfrm>
-          <a:prstGeom prst="rect">
-            <a:avLst/>
-          </a:prstGeom>
-          <a:noFill/>
-        </p:spPr>
-        <p:txBody>
-          <a:bodyPr wrap="square" rtlCol="0">
-            <a:spAutoFit/>
-          </a:bodyPr>
-          <a:lstStyle/>
-          <a:p>
-            <a:r>
-              <a:rPr lang="en-US" sz="2100" b="1" dirty="0"/>
-              <a:t>Specificity</a:t>
-            </a:r>
-            <a:endParaRPr lang="en-IN" sz="2100" b="1" dirty="0"/>
-          </a:p>
-        </p:txBody>
-      </p:sp>
-      <p:sp>
-        <p:nvSpPr>
-          <p:cNvPr id="17" name="TextBox 16">
-            <a:extLst>
-              <a:ext uri="{FF2B5EF4-FFF2-40B4-BE49-F238E27FC236}">
-                <a16:creationId xmlns:a16="http://schemas.microsoft.com/office/drawing/2014/main" id="{C8D8AD5D-C488-BB63-547C-993B3BE684E9}"/>
-              </a:ext>
-            </a:extLst>
-          </p:cNvPr>
-          <p:cNvSpPr txBox="1"/>
-          <p:nvPr/>
-        </p:nvSpPr>
-        <p:spPr>
-          <a:xfrm>
-            <a:off x="488315" y="1055256"/>
-            <a:ext cx="8467166" cy="3970318"/>
-          </a:xfrm>
-          <a:prstGeom prst="rect">
-            <a:avLst/>
-          </a:prstGeom>
-          <a:noFill/>
-        </p:spPr>
-        <p:txBody>
-          <a:bodyPr wrap="square">
-            <a:spAutoFit/>
-          </a:bodyPr>
-          <a:lstStyle/>
-          <a:p>
-            <a:pPr algn="l"/>
-            <a:r>
-              <a:rPr lang="en-US" sz="1800" dirty="0"/>
-              <a:t>If there are two or more conflicting CSS rules that point to the same element, the browser follows some rules to determine which one is most specific and therefore wins out.</a:t>
-            </a:r>
-          </a:p>
-          <a:p>
-            <a:pPr algn="l"/>
-            <a:r>
-              <a:rPr lang="en-US" sz="1800" dirty="0"/>
-              <a:t>Think of specificity as a score/rank that determines which style declarations are ultimately applied to an element.</a:t>
-            </a:r>
-          </a:p>
-          <a:p>
-            <a:pPr algn="l"/>
-            <a:r>
-              <a:rPr lang="en-US" sz="1800" dirty="0"/>
-              <a:t>The universal selector (*) has low specificity, while ID selectors are highly specific! </a:t>
-            </a:r>
-          </a:p>
-          <a:p>
-            <a:pPr algn="l"/>
-            <a:endParaRPr lang="en-US" sz="1800" dirty="0"/>
-          </a:p>
-          <a:p>
-            <a:pPr algn="l"/>
-            <a:r>
-              <a:rPr lang="en-US" sz="1800" b="1" dirty="0"/>
-              <a:t>Order of specificity</a:t>
-            </a:r>
-          </a:p>
-          <a:p>
-            <a:pPr algn="l"/>
-            <a:r>
-              <a:rPr lang="en-US" sz="1800" dirty="0"/>
-              <a:t>Inline styles </a:t>
-            </a:r>
-          </a:p>
-          <a:p>
-            <a:pPr algn="l"/>
-            <a:r>
-              <a:rPr lang="en-US" sz="1800" dirty="0"/>
-              <a:t>IDs </a:t>
-            </a:r>
-          </a:p>
-          <a:p>
-            <a:pPr algn="l"/>
-            <a:r>
-              <a:rPr lang="en-US" sz="1800" dirty="0"/>
-              <a:t>Classes, attributes and pseudo-classes</a:t>
-            </a:r>
-          </a:p>
-          <a:p>
-            <a:pPr algn="l"/>
-            <a:r>
-              <a:rPr lang="en-US" sz="1800" dirty="0"/>
-              <a:t>Elements and pseudo-elements </a:t>
-            </a:r>
-          </a:p>
-          <a:p>
-            <a:pPr algn="l"/>
-            <a:endParaRPr lang="en-US" sz="1800" dirty="0"/>
-          </a:p>
-        </p:txBody>
-      </p:sp>
-    </p:spTree>
-    <p:extLst>
-      <p:ext uri="{BB962C8B-B14F-4D97-AF65-F5344CB8AC3E}">
-        <p14:creationId xmlns:p14="http://schemas.microsoft.com/office/powerpoint/2010/main" val="149148866"/>
-      </p:ext>
-    </p:extLst>
-  </p:cSld>
-  <p:clrMapOvr>
-    <a:masterClrMapping/>
-  </p:clrMapOvr>
-</p:sld>
-</file>
-
-<file path=ppt/slides/slide17.xml><?xml version="1.0" encoding="utf-8"?>
-<p:sld xmlns:a="http://schemas.openxmlformats.org/drawingml/2006/main" xmlns:r="http://schemas.openxmlformats.org/officeDocument/2006/relationships" xmlns:p="http://schemas.openxmlformats.org/presentationml/2006/main">
-  <p:cSld>
-    <p:spTree>
-      <p:nvGrpSpPr>
-        <p:cNvPr id="1" name=""/>
-        <p:cNvGrpSpPr/>
-        <p:nvPr/>
-      </p:nvGrpSpPr>
-      <p:grpSpPr>
-        <a:xfrm>
-          <a:off x="0" y="0"/>
-          <a:ext cx="0" cy="0"/>
-          <a:chOff x="0" y="0"/>
-          <a:chExt cx="0" cy="0"/>
-        </a:xfrm>
-      </p:grpSpPr>
-      <p:pic>
-        <p:nvPicPr>
-          <p:cNvPr id="2" name="Picture 2"/>
-          <p:cNvPicPr>
-            <a:picLocks noChangeAspect="1"/>
-          </p:cNvPicPr>
-          <p:nvPr/>
-        </p:nvPicPr>
-        <p:blipFill>
-          <a:blip r:embed="rId2">
-            <a:alphaModFix amt="6000"/>
-            <a:extLst>
-              <a:ext uri="{28A0092B-C50C-407E-A947-70E740481C1C}">
-                <a14:useLocalDpi xmlns:a14="http://schemas.microsoft.com/office/drawing/2010/main" val="0"/>
-              </a:ext>
-              <a:ext uri="{96DAC541-7B7A-43D3-8B79-37D633B846F1}">
-                <asvg:svgBlip xmlns:asvg="http://schemas.microsoft.com/office/drawing/2016/SVG/main" r:embed="rId3"/>
-              </a:ext>
-            </a:extLst>
-          </a:blip>
-          <a:srcRect/>
-          <a:stretch>
-            <a:fillRect/>
-          </a:stretch>
-        </p:blipFill>
-        <p:spPr>
-          <a:xfrm flipH="1">
-            <a:off x="-9815" y="0"/>
-            <a:ext cx="1163811" cy="1163811"/>
-          </a:xfrm>
-          <a:prstGeom prst="rect">
-            <a:avLst/>
-          </a:prstGeom>
-        </p:spPr>
-      </p:pic>
-      <p:pic>
-        <p:nvPicPr>
-          <p:cNvPr id="3" name="Picture 3"/>
-          <p:cNvPicPr>
-            <a:picLocks noChangeAspect="1"/>
-          </p:cNvPicPr>
-          <p:nvPr/>
-        </p:nvPicPr>
-        <p:blipFill>
-          <a:blip r:embed="rId2" cstate="print">
-            <a:alphaModFix amt="6000"/>
-            <a:extLst>
-              <a:ext uri="{28A0092B-C50C-407E-A947-70E740481C1C}">
-                <a14:useLocalDpi xmlns:a14="http://schemas.microsoft.com/office/drawing/2010/main" val="0"/>
-              </a:ext>
-              <a:ext uri="{96DAC541-7B7A-43D3-8B79-37D633B846F1}">
-                <asvg:svgBlip xmlns:asvg="http://schemas.microsoft.com/office/drawing/2016/SVG/main" r:embed="rId3"/>
-              </a:ext>
-            </a:extLst>
-          </a:blip>
-          <a:srcRect/>
-          <a:stretch>
-            <a:fillRect/>
-          </a:stretch>
-        </p:blipFill>
-        <p:spPr>
-          <a:xfrm flipH="1">
-            <a:off x="8072956" y="4072456"/>
-            <a:ext cx="1071044" cy="1071044"/>
-          </a:xfrm>
-          <a:prstGeom prst="rect">
-            <a:avLst/>
-          </a:prstGeom>
-        </p:spPr>
-      </p:pic>
-      <p:grpSp>
-        <p:nvGrpSpPr>
-          <p:cNvPr id="4" name="Group 4"/>
-          <p:cNvGrpSpPr/>
-          <p:nvPr/>
-        </p:nvGrpSpPr>
-        <p:grpSpPr>
-          <a:xfrm>
-            <a:off x="8751721" y="0"/>
-            <a:ext cx="392279" cy="914768"/>
-            <a:chOff x="0" y="0"/>
-            <a:chExt cx="286209" cy="667420"/>
-          </a:xfrm>
-        </p:grpSpPr>
-        <p:sp>
-          <p:nvSpPr>
-            <p:cNvPr id="5" name="Freeform 5"/>
-            <p:cNvSpPr/>
-            <p:nvPr/>
-          </p:nvSpPr>
-          <p:spPr>
-            <a:xfrm>
-              <a:off x="0" y="0"/>
-              <a:ext cx="286209" cy="667419"/>
-            </a:xfrm>
-            <a:custGeom>
-              <a:avLst/>
-              <a:gdLst/>
-              <a:ahLst/>
-              <a:cxnLst/>
-              <a:rect l="l" t="t" r="r" b="b"/>
-              <a:pathLst>
-                <a:path w="286209" h="667419">
-                  <a:moveTo>
-                    <a:pt x="0" y="0"/>
-                  </a:moveTo>
-                  <a:lnTo>
-                    <a:pt x="286209" y="0"/>
-                  </a:lnTo>
-                  <a:lnTo>
-                    <a:pt x="286209" y="667419"/>
-                  </a:lnTo>
-                  <a:lnTo>
-                    <a:pt x="0" y="667419"/>
-                  </a:lnTo>
-                  <a:close/>
-                </a:path>
-              </a:pathLst>
-            </a:custGeom>
-            <a:solidFill>
-              <a:srgbClr val="FF9D8F"/>
-            </a:solidFill>
-          </p:spPr>
-        </p:sp>
-      </p:grpSp>
-      <p:grpSp>
-        <p:nvGrpSpPr>
-          <p:cNvPr id="6" name="Group 6"/>
-          <p:cNvGrpSpPr/>
-          <p:nvPr/>
-        </p:nvGrpSpPr>
-        <p:grpSpPr>
-          <a:xfrm>
-            <a:off x="8751721" y="4454699"/>
-            <a:ext cx="392279" cy="1377603"/>
-            <a:chOff x="0" y="0"/>
-            <a:chExt cx="286209" cy="1005107"/>
-          </a:xfrm>
-        </p:grpSpPr>
-        <p:sp>
-          <p:nvSpPr>
-            <p:cNvPr id="7" name="Freeform 7"/>
-            <p:cNvSpPr/>
-            <p:nvPr/>
-          </p:nvSpPr>
-          <p:spPr>
-            <a:xfrm>
-              <a:off x="0" y="0"/>
-              <a:ext cx="286209" cy="1005107"/>
-            </a:xfrm>
-            <a:custGeom>
-              <a:avLst/>
-              <a:gdLst/>
-              <a:ahLst/>
-              <a:cxnLst/>
-              <a:rect l="l" t="t" r="r" b="b"/>
-              <a:pathLst>
-                <a:path w="286209" h="1005107">
-                  <a:moveTo>
-                    <a:pt x="0" y="0"/>
-                  </a:moveTo>
-                  <a:lnTo>
-                    <a:pt x="286209" y="0"/>
-                  </a:lnTo>
-                  <a:lnTo>
-                    <a:pt x="286209" y="1005107"/>
-                  </a:lnTo>
-                  <a:lnTo>
-                    <a:pt x="0" y="1005107"/>
-                  </a:lnTo>
-                  <a:close/>
-                </a:path>
-              </a:pathLst>
-            </a:custGeom>
-            <a:solidFill>
-              <a:srgbClr val="FFEAEA"/>
-            </a:solidFill>
-          </p:spPr>
-        </p:sp>
-      </p:grpSp>
-      <p:grpSp>
-        <p:nvGrpSpPr>
-          <p:cNvPr id="8" name="Group 8"/>
-          <p:cNvGrpSpPr/>
-          <p:nvPr/>
-        </p:nvGrpSpPr>
-        <p:grpSpPr>
-          <a:xfrm>
-            <a:off x="0" y="4247304"/>
-            <a:ext cx="897632" cy="896196"/>
-            <a:chOff x="0" y="0"/>
-            <a:chExt cx="6350000" cy="6339840"/>
-          </a:xfrm>
-        </p:grpSpPr>
-        <p:sp>
-          <p:nvSpPr>
-            <p:cNvPr id="9" name="Freeform 9"/>
-            <p:cNvSpPr/>
-            <p:nvPr/>
-          </p:nvSpPr>
-          <p:spPr>
-            <a:xfrm>
-              <a:off x="0" y="0"/>
-              <a:ext cx="6350000" cy="6339840"/>
-            </a:xfrm>
-            <a:custGeom>
-              <a:avLst/>
-              <a:gdLst/>
-              <a:ahLst/>
-              <a:cxnLst/>
-              <a:rect l="l" t="t" r="r" b="b"/>
-              <a:pathLst>
-                <a:path w="6350000" h="6339840">
-                  <a:moveTo>
-                    <a:pt x="6350000" y="6339840"/>
-                  </a:moveTo>
-                  <a:lnTo>
-                    <a:pt x="0" y="6339840"/>
-                  </a:lnTo>
-                  <a:lnTo>
-                    <a:pt x="0" y="0"/>
-                  </a:lnTo>
-                  <a:lnTo>
-                    <a:pt x="6350000" y="6339840"/>
-                  </a:lnTo>
-                  <a:close/>
-                </a:path>
-              </a:pathLst>
-            </a:custGeom>
-            <a:solidFill>
-              <a:srgbClr val="E6F0FF"/>
-            </a:solidFill>
-          </p:spPr>
-        </p:sp>
-      </p:grpSp>
-      <p:grpSp>
-        <p:nvGrpSpPr>
-          <p:cNvPr id="10" name="Group 10"/>
-          <p:cNvGrpSpPr/>
-          <p:nvPr/>
-        </p:nvGrpSpPr>
-        <p:grpSpPr>
-          <a:xfrm rot="5400000">
-            <a:off x="-10533" y="0"/>
-            <a:ext cx="897632" cy="896196"/>
-            <a:chOff x="0" y="0"/>
-            <a:chExt cx="6350000" cy="6339840"/>
-          </a:xfrm>
-        </p:grpSpPr>
-        <p:sp>
-          <p:nvSpPr>
-            <p:cNvPr id="11" name="Freeform 11"/>
-            <p:cNvSpPr/>
-            <p:nvPr/>
-          </p:nvSpPr>
-          <p:spPr>
-            <a:xfrm>
-              <a:off x="0" y="0"/>
-              <a:ext cx="6350000" cy="6339840"/>
-            </a:xfrm>
-            <a:custGeom>
-              <a:avLst/>
-              <a:gdLst/>
-              <a:ahLst/>
-              <a:cxnLst/>
-              <a:rect l="l" t="t" r="r" b="b"/>
-              <a:pathLst>
-                <a:path w="6350000" h="6339840">
-                  <a:moveTo>
-                    <a:pt x="6350000" y="6339840"/>
-                  </a:moveTo>
-                  <a:lnTo>
-                    <a:pt x="0" y="6339840"/>
-                  </a:lnTo>
-                  <a:lnTo>
-                    <a:pt x="0" y="0"/>
-                  </a:lnTo>
-                  <a:lnTo>
-                    <a:pt x="6350000" y="6339840"/>
-                  </a:lnTo>
-                  <a:close/>
-                </a:path>
-              </a:pathLst>
-            </a:custGeom>
-            <a:solidFill>
-              <a:srgbClr val="E6F0FF"/>
-            </a:solidFill>
-          </p:spPr>
-        </p:sp>
-      </p:grpSp>
-      <p:grpSp>
-        <p:nvGrpSpPr>
-          <p:cNvPr id="12" name="Group 12"/>
-          <p:cNvGrpSpPr/>
-          <p:nvPr/>
-        </p:nvGrpSpPr>
-        <p:grpSpPr>
-          <a:xfrm>
-            <a:off x="514350" y="684157"/>
-            <a:ext cx="3070438" cy="272859"/>
-            <a:chOff x="0" y="0"/>
-            <a:chExt cx="1876837" cy="166788"/>
-          </a:xfrm>
-        </p:grpSpPr>
-        <p:sp>
-          <p:nvSpPr>
-            <p:cNvPr id="13" name="Freeform 13"/>
-            <p:cNvSpPr/>
-            <p:nvPr/>
-          </p:nvSpPr>
-          <p:spPr>
-            <a:xfrm>
-              <a:off x="0" y="0"/>
-              <a:ext cx="1876837" cy="166788"/>
-            </a:xfrm>
-            <a:custGeom>
-              <a:avLst/>
-              <a:gdLst/>
-              <a:ahLst/>
-              <a:cxnLst/>
-              <a:rect l="l" t="t" r="r" b="b"/>
-              <a:pathLst>
-                <a:path w="1876837" h="166788">
-                  <a:moveTo>
-                    <a:pt x="0" y="0"/>
-                  </a:moveTo>
-                  <a:lnTo>
-                    <a:pt x="1876837" y="0"/>
-                  </a:lnTo>
-                  <a:lnTo>
-                    <a:pt x="1876837" y="166788"/>
-                  </a:lnTo>
-                  <a:lnTo>
-                    <a:pt x="0" y="166788"/>
-                  </a:lnTo>
-                  <a:close/>
-                </a:path>
-              </a:pathLst>
-            </a:custGeom>
-            <a:solidFill>
-              <a:srgbClr val="FFCFCF"/>
-            </a:solidFill>
-          </p:spPr>
-        </p:sp>
-      </p:grpSp>
-      <p:sp>
-        <p:nvSpPr>
-          <p:cNvPr id="14" name="TextBox 13">
-            <a:extLst>
-              <a:ext uri="{FF2B5EF4-FFF2-40B4-BE49-F238E27FC236}">
-                <a16:creationId xmlns:a16="http://schemas.microsoft.com/office/drawing/2014/main" id="{2CE3DFA2-83DF-939D-2719-FA5A5391A9C8}"/>
-              </a:ext>
-            </a:extLst>
-          </p:cNvPr>
-          <p:cNvSpPr txBox="1"/>
-          <p:nvPr/>
-        </p:nvSpPr>
-        <p:spPr>
-          <a:xfrm>
-            <a:off x="448816" y="627389"/>
-            <a:ext cx="4922520" cy="415498"/>
-          </a:xfrm>
-          <a:prstGeom prst="rect">
-            <a:avLst/>
-          </a:prstGeom>
-          <a:noFill/>
-        </p:spPr>
-        <p:txBody>
-          <a:bodyPr wrap="square" rtlCol="0">
-            <a:spAutoFit/>
-          </a:bodyPr>
-          <a:lstStyle/>
-          <a:p>
-            <a:r>
-              <a:rPr lang="en-US" sz="2100" b="1" dirty="0"/>
-              <a:t>Background</a:t>
-            </a:r>
-            <a:endParaRPr lang="en-IN" sz="2100" b="1" dirty="0"/>
-          </a:p>
-        </p:txBody>
-      </p:sp>
-      <p:sp>
-        <p:nvSpPr>
-          <p:cNvPr id="15" name="TextBox 14">
-            <a:extLst>
-              <a:ext uri="{FF2B5EF4-FFF2-40B4-BE49-F238E27FC236}">
-                <a16:creationId xmlns:a16="http://schemas.microsoft.com/office/drawing/2014/main" id="{D1A70983-911B-B2BF-9A44-BF52C1DD14AE}"/>
-              </a:ext>
-            </a:extLst>
-          </p:cNvPr>
-          <p:cNvSpPr txBox="1"/>
-          <p:nvPr/>
-        </p:nvSpPr>
-        <p:spPr>
-          <a:xfrm>
-            <a:off x="572091" y="1099791"/>
-            <a:ext cx="8465820" cy="3416320"/>
-          </a:xfrm>
-          <a:prstGeom prst="rect">
-            <a:avLst/>
-          </a:prstGeom>
-          <a:noFill/>
-        </p:spPr>
-        <p:txBody>
-          <a:bodyPr wrap="square">
-            <a:spAutoFit/>
-          </a:bodyPr>
-          <a:lstStyle/>
-          <a:p>
-            <a:pPr algn="l"/>
-            <a:r>
-              <a:rPr lang="en-US" sz="1800" dirty="0"/>
-              <a:t>The CSS background properties are used to add background effects for elements.</a:t>
-            </a:r>
-          </a:p>
-          <a:p>
-            <a:pPr algn="l"/>
-            <a:r>
-              <a:rPr lang="en-US" sz="1800" dirty="0"/>
-              <a:t>Properties to Style Background:</a:t>
-            </a:r>
-          </a:p>
-          <a:p>
-            <a:pPr algn="l"/>
-            <a:endParaRPr lang="en-US" sz="1800" dirty="0"/>
-          </a:p>
-          <a:p>
-            <a:pPr marL="257175" indent="-257175">
-              <a:buFont typeface="Arial" panose="020B0604020202020204" pitchFamily="34" charset="0"/>
-              <a:buChar char="•"/>
-            </a:pPr>
-            <a:r>
-              <a:rPr lang="en-US" sz="1800" dirty="0"/>
-              <a:t>    background-color</a:t>
-            </a:r>
-          </a:p>
-          <a:p>
-            <a:pPr marL="257175" indent="-257175">
-              <a:buFont typeface="Arial" panose="020B0604020202020204" pitchFamily="34" charset="0"/>
-              <a:buChar char="•"/>
-            </a:pPr>
-            <a:r>
-              <a:rPr lang="en-US" sz="1800" dirty="0"/>
-              <a:t>    background-image</a:t>
-            </a:r>
-          </a:p>
-          <a:p>
-            <a:pPr marL="257175" indent="-257175">
-              <a:buFont typeface="Arial" panose="020B0604020202020204" pitchFamily="34" charset="0"/>
-              <a:buChar char="•"/>
-            </a:pPr>
-            <a:r>
-              <a:rPr lang="en-US" sz="1800" dirty="0"/>
-              <a:t>    background-repeat</a:t>
-            </a:r>
-          </a:p>
-          <a:p>
-            <a:pPr marL="257175" indent="-257175">
-              <a:buFont typeface="Arial" panose="020B0604020202020204" pitchFamily="34" charset="0"/>
-              <a:buChar char="•"/>
-            </a:pPr>
-            <a:r>
-              <a:rPr lang="en-US" sz="1800" dirty="0"/>
-              <a:t>    background-attachment</a:t>
-            </a:r>
-          </a:p>
-          <a:p>
-            <a:pPr marL="257175" indent="-257175">
-              <a:buFont typeface="Arial" panose="020B0604020202020204" pitchFamily="34" charset="0"/>
-              <a:buChar char="•"/>
-            </a:pPr>
-            <a:r>
-              <a:rPr lang="en-US" sz="1800" dirty="0"/>
-              <a:t>    background-position</a:t>
-            </a:r>
-          </a:p>
-          <a:p>
-            <a:pPr marL="257175" indent="-257175">
-              <a:buFont typeface="Arial" panose="020B0604020202020204" pitchFamily="34" charset="0"/>
-              <a:buChar char="•"/>
-            </a:pPr>
-            <a:r>
-              <a:rPr lang="en-US" sz="1800" dirty="0"/>
-              <a:t>    background (shorthand property)</a:t>
-            </a:r>
-          </a:p>
-          <a:p>
-            <a:br>
-              <a:rPr lang="en-US" sz="1800" dirty="0"/>
-            </a:br>
-            <a:endParaRPr lang="en-IN" sz="1800" dirty="0"/>
-          </a:p>
-        </p:txBody>
-      </p:sp>
-    </p:spTree>
-    <p:extLst>
-      <p:ext uri="{BB962C8B-B14F-4D97-AF65-F5344CB8AC3E}">
-        <p14:creationId xmlns:p14="http://schemas.microsoft.com/office/powerpoint/2010/main" val="2047183648"/>
-      </p:ext>
-    </p:extLst>
-  </p:cSld>
-  <p:clrMapOvr>
-    <a:masterClrMapping/>
-  </p:clrMapOvr>
-</p:sld>
-</file>
-
-<file path=ppt/slides/slide18.xml><?xml version="1.0" encoding="utf-8"?>
-<p:sld xmlns:a="http://schemas.openxmlformats.org/drawingml/2006/main" xmlns:r="http://schemas.openxmlformats.org/officeDocument/2006/relationships" xmlns:p="http://schemas.openxmlformats.org/presentationml/2006/main">
-  <p:cSld>
-    <p:spTree>
-      <p:nvGrpSpPr>
         <p:cNvPr id="1" name="Shape 204"/>
         <p:cNvGrpSpPr/>
         <p:nvPr/>
@@ -19119,7 +16979,7 @@
 </p:sld>
 </file>
 
-<file path=ppt/slides/slide19.xml><?xml version="1.0" encoding="utf-8"?>
+<file path=ppt/slides/slide15.xml><?xml version="1.0" encoding="utf-8"?>
 <p:sld xmlns:a="http://schemas.openxmlformats.org/drawingml/2006/main" xmlns:r="http://schemas.openxmlformats.org/officeDocument/2006/relationships" xmlns:p="http://schemas.openxmlformats.org/presentationml/2006/main">
   <p:cSld>
     <p:spTree>
